--- a/CS3210/pptx/CS3210-TL6 (Tut 3).pptx
+++ b/CS3210/pptx/CS3210-TL6 (Tut 3).pptx
@@ -52988,6 +52988,12 @@
               <a:rPr lang="en-US" sz="2100"/>
               <a:t>Slides uploaded!</a:t>
             </a:r>
+          </a:p>
+          <a:p>
+            <a:r>
+              <a:rPr lang="en-US" sz="2100"/>
+              <a:t>If your attendance has not been marked, lmk</a:t>
+            </a:r>
             <a:endParaRPr lang="en-US" sz="2100" dirty="0"/>
           </a:p>
           <a:p>
